--- a/Презентация по проекту в лицее.pptx
+++ b/Презентация по проекту в лицее.pptx
@@ -5,7 +5,7 @@
     <p:sldMasterId id="2147483660" r:id="rId1"/>
   </p:sldMasterIdLst>
   <p:notesMasterIdLst>
-    <p:notesMasterId r:id="rId7"/>
+    <p:notesMasterId r:id="rId8"/>
   </p:notesMasterIdLst>
   <p:sldIdLst>
     <p:sldId id="256" r:id="rId2"/>
@@ -13,6 +13,7 @@
     <p:sldId id="259" r:id="rId4"/>
     <p:sldId id="261" r:id="rId5"/>
     <p:sldId id="260" r:id="rId6"/>
+    <p:sldId id="265" r:id="rId7"/>
   </p:sldIdLst>
   <p:sldSz cx="9144000" cy="6858000" type="screen4x3"/>
   <p:notesSz cx="6858000" cy="9144000"/>
@@ -111,6 +112,22 @@
       </a:defRPr>
     </a:lvl9pPr>
   </p:defaultTextStyle>
+  <p:extLst>
+    <p:ext uri="{EFAFB233-063F-42B5-8137-9DF3F51BA10A}">
+      <p15:sldGuideLst xmlns:p15="http://schemas.microsoft.com/office/powerpoint/2012/main">
+        <p15:guide id="1" orient="horz" pos="2160">
+          <p15:clr>
+            <a:srgbClr val="A4A3A4"/>
+          </p15:clr>
+        </p15:guide>
+        <p15:guide id="2" pos="2880">
+          <p15:clr>
+            <a:srgbClr val="A4A3A4"/>
+          </p15:clr>
+        </p15:guide>
+      </p15:sldGuideLst>
+    </p:ext>
+  </p:extLst>
 </p:presentation>
 </file>
 
@@ -196,7 +213,7 @@
           <a:p>
             <a:fld id="{A9A4C97F-56F1-4C52-8187-29C754E2EFAC}" type="datetimeFigureOut">
               <a:rPr lang="ru-RU" smtClean="0"/>
-              <a:t>26.11.2024</a:t>
+              <a:t>27.11.2024</a:t>
             </a:fld>
             <a:endParaRPr lang="ru-RU"/>
           </a:p>
@@ -778,7 +795,7 @@
           <a:p>
             <a:fld id="{B4C71EC6-210F-42DE-9C53-41977AD35B3D}" type="datetimeFigureOut">
               <a:rPr lang="ru-RU" smtClean="0"/>
-              <a:t>26.11.2024</a:t>
+              <a:t>27.11.2024</a:t>
             </a:fld>
             <a:endParaRPr lang="ru-RU"/>
           </a:p>
@@ -991,7 +1008,7 @@
           <a:p>
             <a:fld id="{B4C71EC6-210F-42DE-9C53-41977AD35B3D}" type="datetimeFigureOut">
               <a:rPr lang="ru-RU" smtClean="0"/>
-              <a:t>26.11.2024</a:t>
+              <a:t>27.11.2024</a:t>
             </a:fld>
             <a:endParaRPr lang="ru-RU"/>
           </a:p>
@@ -1166,7 +1183,7 @@
           <a:p>
             <a:fld id="{B4C71EC6-210F-42DE-9C53-41977AD35B3D}" type="datetimeFigureOut">
               <a:rPr lang="ru-RU" smtClean="0"/>
-              <a:t>26.11.2024</a:t>
+              <a:t>27.11.2024</a:t>
             </a:fld>
             <a:endParaRPr lang="ru-RU"/>
           </a:p>
@@ -1331,7 +1348,7 @@
           <a:p>
             <a:fld id="{B4C71EC6-210F-42DE-9C53-41977AD35B3D}" type="datetimeFigureOut">
               <a:rPr lang="ru-RU" smtClean="0"/>
-              <a:t>26.11.2024</a:t>
+              <a:t>27.11.2024</a:t>
             </a:fld>
             <a:endParaRPr lang="ru-RU"/>
           </a:p>
@@ -1615,7 +1632,7 @@
           <a:p>
             <a:fld id="{B4C71EC6-210F-42DE-9C53-41977AD35B3D}" type="datetimeFigureOut">
               <a:rPr lang="ru-RU" smtClean="0"/>
-              <a:t>26.11.2024</a:t>
+              <a:t>27.11.2024</a:t>
             </a:fld>
             <a:endParaRPr lang="ru-RU"/>
           </a:p>
@@ -1941,7 +1958,7 @@
           <a:p>
             <a:fld id="{B4C71EC6-210F-42DE-9C53-41977AD35B3D}" type="datetimeFigureOut">
               <a:rPr lang="ru-RU" smtClean="0"/>
-              <a:t>26.11.2024</a:t>
+              <a:t>27.11.2024</a:t>
             </a:fld>
             <a:endParaRPr lang="ru-RU"/>
           </a:p>
@@ -2366,7 +2383,7 @@
           <a:p>
             <a:fld id="{B4C71EC6-210F-42DE-9C53-41977AD35B3D}" type="datetimeFigureOut">
               <a:rPr lang="ru-RU" smtClean="0"/>
-              <a:t>26.11.2024</a:t>
+              <a:t>27.11.2024</a:t>
             </a:fld>
             <a:endParaRPr lang="ru-RU"/>
           </a:p>
@@ -2539,7 +2556,7 @@
           <a:p>
             <a:fld id="{B4C71EC6-210F-42DE-9C53-41977AD35B3D}" type="datetimeFigureOut">
               <a:rPr lang="ru-RU" smtClean="0"/>
-              <a:t>26.11.2024</a:t>
+              <a:t>27.11.2024</a:t>
             </a:fld>
             <a:endParaRPr lang="ru-RU"/>
           </a:p>
@@ -2629,7 +2646,7 @@
           <a:p>
             <a:fld id="{B4C71EC6-210F-42DE-9C53-41977AD35B3D}" type="datetimeFigureOut">
               <a:rPr lang="ru-RU" smtClean="0"/>
-              <a:t>26.11.2024</a:t>
+              <a:t>27.11.2024</a:t>
             </a:fld>
             <a:endParaRPr lang="ru-RU"/>
           </a:p>
@@ -2909,7 +2926,7 @@
           <a:p>
             <a:fld id="{B4C71EC6-210F-42DE-9C53-41977AD35B3D}" type="datetimeFigureOut">
               <a:rPr lang="ru-RU" smtClean="0"/>
-              <a:t>26.11.2024</a:t>
+              <a:t>27.11.2024</a:t>
             </a:fld>
             <a:endParaRPr lang="ru-RU"/>
           </a:p>
@@ -3208,7 +3225,7 @@
           <a:p>
             <a:fld id="{B4C71EC6-210F-42DE-9C53-41977AD35B3D}" type="datetimeFigureOut">
               <a:rPr lang="ru-RU" smtClean="0"/>
-              <a:t>26.11.2024</a:t>
+              <a:t>27.11.2024</a:t>
             </a:fld>
             <a:endParaRPr lang="ru-RU"/>
           </a:p>
@@ -3418,7 +3435,7 @@
           <a:p>
             <a:fld id="{B4C71EC6-210F-42DE-9C53-41977AD35B3D}" type="datetimeFigureOut">
               <a:rPr lang="ru-RU" smtClean="0"/>
-              <a:t>26.11.2024</a:t>
+              <a:t>27.11.2024</a:t>
             </a:fld>
             <a:endParaRPr lang="ru-RU"/>
           </a:p>
@@ -4674,68 +4691,28 @@
       </p:pic>
       <p:pic>
         <p:nvPicPr>
-          <p:cNvPr id="1026" name="Picture 2"/>
+          <p:cNvPr id="4" name="Объект 3"/>
           <p:cNvPicPr>
-            <a:picLocks noGrp="1" noChangeAspect="1" noChangeArrowheads="1"/>
+            <a:picLocks noGrp="1" noChangeAspect="1"/>
           </p:cNvPicPr>
           <p:nvPr>
             <p:ph sz="half" idx="2"/>
           </p:nvPr>
         </p:nvPicPr>
         <p:blipFill>
-          <a:blip r:embed="rId3">
-            <a:extLst>
-              <a:ext uri="{28A0092B-C50C-407E-A947-70E740481C1C}">
-                <a14:useLocalDpi xmlns:a14="http://schemas.microsoft.com/office/drawing/2010/main" val="0"/>
-              </a:ext>
-            </a:extLst>
-          </a:blip>
-          <a:srcRect/>
+          <a:blip r:embed="rId3"/>
           <a:stretch>
             <a:fillRect/>
           </a:stretch>
         </p:blipFill>
-        <p:spPr bwMode="auto">
+        <p:spPr>
           <a:xfrm>
-            <a:off x="4648200" y="993553"/>
-            <a:ext cx="3657600" cy="2999231"/>
+            <a:off x="4648200" y="976827"/>
+            <a:ext cx="3657600" cy="3032683"/>
           </a:xfrm>
           <a:prstGeom prst="rect">
             <a:avLst/>
           </a:prstGeom>
-          <a:noFill/>
-          <a:ln>
-            <a:noFill/>
-          </a:ln>
-          <a:effectLst/>
-          <a:extLst>
-            <a:ext uri="{909E8E84-426E-40DD-AFC4-6F175D3DCCD1}">
-              <a14:hiddenFill xmlns:a14="http://schemas.microsoft.com/office/drawing/2010/main">
-                <a:solidFill>
-                  <a:schemeClr val="accent1"/>
-                </a:solidFill>
-              </a14:hiddenFill>
-            </a:ext>
-            <a:ext uri="{91240B29-F687-4F45-9708-019B960494DF}">
-              <a14:hiddenLine xmlns:a14="http://schemas.microsoft.com/office/drawing/2010/main" w="9525">
-                <a:solidFill>
-                  <a:schemeClr val="tx1"/>
-                </a:solidFill>
-                <a:miter lim="800000"/>
-                <a:headEnd/>
-                <a:tailEnd/>
-              </a14:hiddenLine>
-            </a:ext>
-            <a:ext uri="{AF507438-7753-43E0-B8FC-AC1667EBCBE1}">
-              <a14:hiddenEffects xmlns:a14="http://schemas.microsoft.com/office/drawing/2010/main">
-                <a:effectLst>
-                  <a:outerShdw dist="35921" dir="2700000" algn="ctr" rotWithShape="0">
-                    <a:schemeClr val="bg2"/>
-                  </a:outerShdw>
-                </a:effectLst>
-              </a14:hiddenEffects>
-            </a:ext>
-          </a:extLst>
         </p:spPr>
       </p:pic>
     </p:spTree>
@@ -4929,6 +4906,280 @@
     <p:extLst>
       <p:ext uri="{BB962C8B-B14F-4D97-AF65-F5344CB8AC3E}">
         <p14:creationId xmlns:p14="http://schemas.microsoft.com/office/powerpoint/2010/main" val="2153493536"/>
+      </p:ext>
+    </p:extLst>
+  </p:cSld>
+  <p:clrMapOvr>
+    <a:masterClrMapping/>
+  </p:clrMapOvr>
+</p:sld>
+</file>
+
+<file path=ppt/slides/slide6.xml><?xml version="1.0" encoding="utf-8"?>
+<p:sld xmlns:a="http://schemas.openxmlformats.org/drawingml/2006/main" xmlns:r="http://schemas.openxmlformats.org/officeDocument/2006/relationships" xmlns:p="http://schemas.openxmlformats.org/presentationml/2006/main">
+  <p:cSld>
+    <p:spTree>
+      <p:nvGrpSpPr>
+        <p:cNvPr id="1" name=""/>
+        <p:cNvGrpSpPr/>
+        <p:nvPr/>
+      </p:nvGrpSpPr>
+      <p:grpSpPr>
+        <a:xfrm>
+          <a:off x="0" y="0"/>
+          <a:ext cx="0" cy="0"/>
+          <a:chOff x="0" y="0"/>
+          <a:chExt cx="0" cy="0"/>
+        </a:xfrm>
+      </p:grpSpPr>
+      <p:sp>
+        <p:nvSpPr>
+          <p:cNvPr id="2" name="Заголовок 1"/>
+          <p:cNvSpPr>
+            <a:spLocks noGrp="1"/>
+          </p:cNvSpPr>
+          <p:nvPr>
+            <p:ph type="title"/>
+          </p:nvPr>
+        </p:nvSpPr>
+        <p:spPr/>
+        <p:txBody>
+          <a:bodyPr>
+            <a:normAutofit fontScale="90000"/>
+          </a:bodyPr>
+          <a:lstStyle/>
+          <a:p>
+            <a:r>
+              <a:rPr lang="ru-RU" dirty="0" smtClean="0"/>
+              <a:t>Что еще можно добавить</a:t>
+            </a:r>
+            <a:endParaRPr lang="ru-RU" dirty="0"/>
+          </a:p>
+        </p:txBody>
+      </p:sp>
+      <p:sp>
+        <p:nvSpPr>
+          <p:cNvPr id="3" name="Текст 3"/>
+          <p:cNvSpPr txBox="1">
+            <a:spLocks/>
+          </p:cNvSpPr>
+          <p:nvPr/>
+        </p:nvSpPr>
+        <p:spPr>
+          <a:xfrm>
+            <a:off x="762001" y="457200"/>
+            <a:ext cx="7482407" cy="4114800"/>
+          </a:xfrm>
+          <a:prstGeom prst="rect">
+            <a:avLst/>
+          </a:prstGeom>
+        </p:spPr>
+        <p:txBody>
+          <a:bodyPr/>
+          <a:lstStyle>
+            <a:lvl1pPr marL="274320" indent="-274320" algn="l" defTabSz="914400" rtl="0" eaLnBrk="1" latinLnBrk="0" hangingPunct="1">
+              <a:spcBef>
+                <a:spcPct val="20000"/>
+              </a:spcBef>
+              <a:buClr>
+                <a:schemeClr val="accent1"/>
+              </a:buClr>
+              <a:buFont typeface="Arial" pitchFamily="34" charset="0"/>
+              <a:buChar char="•"/>
+              <a:defRPr sz="2400" kern="1200">
+                <a:solidFill>
+                  <a:schemeClr val="tx2"/>
+                </a:solidFill>
+                <a:latin typeface="+mn-lt"/>
+                <a:ea typeface="+mn-ea"/>
+                <a:cs typeface="+mn-cs"/>
+              </a:defRPr>
+            </a:lvl1pPr>
+            <a:lvl2pPr marL="594360" indent="-274320" algn="l" defTabSz="914400" rtl="0" eaLnBrk="1" latinLnBrk="0" hangingPunct="1">
+              <a:spcBef>
+                <a:spcPct val="20000"/>
+              </a:spcBef>
+              <a:buClr>
+                <a:schemeClr val="accent1"/>
+              </a:buClr>
+              <a:buFont typeface="Arial" pitchFamily="34" charset="0"/>
+              <a:buChar char="•"/>
+              <a:defRPr sz="2200" kern="1200">
+                <a:solidFill>
+                  <a:schemeClr val="tx2"/>
+                </a:solidFill>
+                <a:latin typeface="+mn-lt"/>
+                <a:ea typeface="+mn-ea"/>
+                <a:cs typeface="+mn-cs"/>
+              </a:defRPr>
+            </a:lvl2pPr>
+            <a:lvl3pPr marL="868680" indent="-228600" algn="l" defTabSz="914400" rtl="0" eaLnBrk="1" latinLnBrk="0" hangingPunct="1">
+              <a:spcBef>
+                <a:spcPct val="20000"/>
+              </a:spcBef>
+              <a:buClr>
+                <a:schemeClr val="accent1"/>
+              </a:buClr>
+              <a:buFont typeface="Arial" pitchFamily="34" charset="0"/>
+              <a:buChar char="•"/>
+              <a:defRPr sz="2000" kern="1200">
+                <a:solidFill>
+                  <a:schemeClr val="tx2"/>
+                </a:solidFill>
+                <a:latin typeface="+mn-lt"/>
+                <a:ea typeface="+mn-ea"/>
+                <a:cs typeface="+mn-cs"/>
+              </a:defRPr>
+            </a:lvl3pPr>
+            <a:lvl4pPr marL="1143000" indent="-228600" algn="l" defTabSz="914400" rtl="0" eaLnBrk="1" latinLnBrk="0" hangingPunct="1">
+              <a:spcBef>
+                <a:spcPct val="20000"/>
+              </a:spcBef>
+              <a:buClr>
+                <a:schemeClr val="accent1"/>
+              </a:buClr>
+              <a:buFont typeface="Arial" pitchFamily="34" charset="0"/>
+              <a:buChar char="•"/>
+              <a:defRPr sz="1800" kern="1200">
+                <a:solidFill>
+                  <a:schemeClr val="tx2"/>
+                </a:solidFill>
+                <a:latin typeface="+mn-lt"/>
+                <a:ea typeface="+mn-ea"/>
+                <a:cs typeface="+mn-cs"/>
+              </a:defRPr>
+            </a:lvl4pPr>
+            <a:lvl5pPr marL="1371600" indent="-228600" algn="l" defTabSz="914400" rtl="0" eaLnBrk="1" latinLnBrk="0" hangingPunct="1">
+              <a:spcBef>
+                <a:spcPct val="20000"/>
+              </a:spcBef>
+              <a:buClr>
+                <a:schemeClr val="accent1"/>
+              </a:buClr>
+              <a:buFont typeface="Arial" pitchFamily="34" charset="0"/>
+              <a:buChar char="•"/>
+              <a:defRPr sz="1800" kern="1200" baseline="0">
+                <a:solidFill>
+                  <a:schemeClr val="tx2"/>
+                </a:solidFill>
+                <a:latin typeface="+mn-lt"/>
+                <a:ea typeface="+mn-ea"/>
+                <a:cs typeface="+mn-cs"/>
+              </a:defRPr>
+            </a:lvl5pPr>
+            <a:lvl6pPr marL="1645920" indent="-228600" algn="l" defTabSz="914400" rtl="0" eaLnBrk="1" latinLnBrk="0" hangingPunct="1">
+              <a:spcBef>
+                <a:spcPct val="20000"/>
+              </a:spcBef>
+              <a:buClr>
+                <a:schemeClr val="accent1"/>
+              </a:buClr>
+              <a:buFont typeface="Arial" pitchFamily="34" charset="0"/>
+              <a:buChar char="•"/>
+              <a:defRPr sz="1600" kern="1200">
+                <a:solidFill>
+                  <a:schemeClr val="tx2"/>
+                </a:solidFill>
+                <a:latin typeface="+mn-lt"/>
+                <a:ea typeface="+mn-ea"/>
+                <a:cs typeface="+mn-cs"/>
+              </a:defRPr>
+            </a:lvl6pPr>
+            <a:lvl7pPr marL="1901952" indent="-228600" algn="l" defTabSz="914400" rtl="0" eaLnBrk="1" latinLnBrk="0" hangingPunct="1">
+              <a:spcBef>
+                <a:spcPct val="20000"/>
+              </a:spcBef>
+              <a:buClr>
+                <a:schemeClr val="accent1"/>
+              </a:buClr>
+              <a:buFont typeface="Arial" pitchFamily="34" charset="0"/>
+              <a:buChar char="•"/>
+              <a:defRPr sz="1600" kern="1200">
+                <a:solidFill>
+                  <a:schemeClr val="tx2"/>
+                </a:solidFill>
+                <a:latin typeface="+mn-lt"/>
+                <a:ea typeface="+mn-ea"/>
+                <a:cs typeface="+mn-cs"/>
+              </a:defRPr>
+            </a:lvl7pPr>
+            <a:lvl8pPr marL="2194560" indent="-228600" algn="l" defTabSz="914400" rtl="0" eaLnBrk="1" latinLnBrk="0" hangingPunct="1">
+              <a:spcBef>
+                <a:spcPct val="20000"/>
+              </a:spcBef>
+              <a:buClr>
+                <a:schemeClr val="accent1"/>
+              </a:buClr>
+              <a:buFont typeface="Arial" pitchFamily="34" charset="0"/>
+              <a:buChar char="•"/>
+              <a:defRPr sz="1600" kern="1200">
+                <a:solidFill>
+                  <a:schemeClr val="tx2"/>
+                </a:solidFill>
+                <a:latin typeface="+mn-lt"/>
+                <a:ea typeface="+mn-ea"/>
+                <a:cs typeface="+mn-cs"/>
+              </a:defRPr>
+            </a:lvl8pPr>
+            <a:lvl9pPr marL="2468880" indent="-228600" algn="l" defTabSz="914400" rtl="0" eaLnBrk="1" latinLnBrk="0" hangingPunct="1">
+              <a:spcBef>
+                <a:spcPct val="20000"/>
+              </a:spcBef>
+              <a:buClr>
+                <a:schemeClr val="accent1"/>
+              </a:buClr>
+              <a:buFont typeface="Arial" pitchFamily="34" charset="0"/>
+              <a:buChar char="•"/>
+              <a:defRPr sz="1600" kern="1200">
+                <a:solidFill>
+                  <a:schemeClr val="tx2"/>
+                </a:solidFill>
+                <a:latin typeface="+mn-lt"/>
+                <a:ea typeface="+mn-ea"/>
+                <a:cs typeface="+mn-cs"/>
+              </a:defRPr>
+            </a:lvl9pPr>
+          </a:lstStyle>
+          <a:p>
+            <a:pPr marL="342900" indent="-342900"/>
+            <a:r>
+              <a:rPr lang="ru-RU" dirty="0" smtClean="0"/>
+              <a:t>Перенести некоторый функционал, реализованный в </a:t>
+            </a:r>
+            <a:r>
+              <a:rPr lang="en-US" dirty="0" err="1" smtClean="0"/>
+              <a:t>SnakeGame</a:t>
+            </a:r>
+            <a:r>
+              <a:rPr lang="en-US" dirty="0" smtClean="0"/>
+              <a:t> </a:t>
+            </a:r>
+            <a:r>
+              <a:rPr lang="ru-RU" dirty="0" smtClean="0"/>
+              <a:t>в методы классов, хранящих данные об объектах игры</a:t>
+            </a:r>
+          </a:p>
+          <a:p>
+            <a:pPr marL="342900" indent="-342900"/>
+            <a:r>
+              <a:rPr lang="ru-RU" dirty="0" smtClean="0"/>
+              <a:t>Добавить больше игровых объектов</a:t>
+            </a:r>
+          </a:p>
+          <a:p>
+            <a:pPr marL="342900" indent="-342900"/>
+            <a:r>
+              <a:rPr lang="ru-RU" dirty="0" smtClean="0"/>
+              <a:t>Сделать поддержку полей нестандартного размера (не только квадратные)</a:t>
+            </a:r>
+            <a:endParaRPr lang="ru-RU" dirty="0"/>
+          </a:p>
+        </p:txBody>
+      </p:sp>
+    </p:spTree>
+    <p:extLst>
+      <p:ext uri="{BB962C8B-B14F-4D97-AF65-F5344CB8AC3E}">
+        <p14:creationId xmlns:p14="http://schemas.microsoft.com/office/powerpoint/2010/main" val="3555105194"/>
       </p:ext>
     </p:extLst>
   </p:cSld>
